--- a/Meezy Individual report Zack.pptx
+++ b/Meezy Individual report Zack.pptx
@@ -7,8 +7,8 @@
   <p:sldIdLst>
     <p:sldId id="256" r:id="rId2"/>
     <p:sldId id="257" r:id="rId3"/>
-    <p:sldId id="258" r:id="rId4"/>
-    <p:sldId id="259" r:id="rId5"/>
+    <p:sldId id="259" r:id="rId4"/>
+    <p:sldId id="260" r:id="rId5"/>
   </p:sldIdLst>
   <p:sldSz cx="12192000" cy="6858000"/>
   <p:notesSz cx="6858000" cy="9144000"/>
@@ -107,6 +107,11 @@
       </a:defRPr>
     </a:lvl9pPr>
   </p:defaultTextStyle>
+  <p:extLst>
+    <p:ext uri="{EFAFB233-063F-42B5-8137-9DF3F51BA10A}">
+      <p15:sldGuideLst xmlns:p15="http://schemas.microsoft.com/office/powerpoint/2012/main"/>
+    </p:ext>
+  </p:extLst>
 </p:presentation>
 </file>
 
@@ -445,7 +450,7 @@
           <a:p>
             <a:fld id="{AA7A7BE1-B93E-48BD-9462-FBE928DAA8A4}" type="datetimeFigureOut">
               <a:rPr lang="en-US" smtClean="0"/>
-              <a:t>11/10/2017</a:t>
+              <a:t>12/6/2017</a:t>
             </a:fld>
             <a:endParaRPr lang="en-US"/>
           </a:p>
@@ -1533,7 +1538,7 @@
           <a:p>
             <a:fld id="{AA7A7BE1-B93E-48BD-9462-FBE928DAA8A4}" type="datetimeFigureOut">
               <a:rPr lang="en-US" smtClean="0"/>
-              <a:t>11/10/2017</a:t>
+              <a:t>12/6/2017</a:t>
             </a:fld>
             <a:endParaRPr lang="en-US"/>
           </a:p>
@@ -2513,7 +2518,7 @@
           <a:p>
             <a:fld id="{AA7A7BE1-B93E-48BD-9462-FBE928DAA8A4}" type="datetimeFigureOut">
               <a:rPr lang="en-US" smtClean="0"/>
-              <a:t>11/10/2017</a:t>
+              <a:t>12/6/2017</a:t>
             </a:fld>
             <a:endParaRPr lang="en-US"/>
           </a:p>
@@ -3647,7 +3652,7 @@
           <a:p>
             <a:fld id="{AA7A7BE1-B93E-48BD-9462-FBE928DAA8A4}" type="datetimeFigureOut">
               <a:rPr lang="en-US" smtClean="0"/>
-              <a:t>11/10/2017</a:t>
+              <a:t>12/6/2017</a:t>
             </a:fld>
             <a:endParaRPr lang="en-US"/>
           </a:p>
@@ -4680,7 +4685,7 @@
           <a:p>
             <a:fld id="{AA7A7BE1-B93E-48BD-9462-FBE928DAA8A4}" type="datetimeFigureOut">
               <a:rPr lang="en-US" smtClean="0"/>
-              <a:t>11/10/2017</a:t>
+              <a:t>12/6/2017</a:t>
             </a:fld>
             <a:endParaRPr lang="en-US"/>
           </a:p>
@@ -5340,7 +5345,7 @@
           <a:p>
             <a:fld id="{AA7A7BE1-B93E-48BD-9462-FBE928DAA8A4}" type="datetimeFigureOut">
               <a:rPr lang="en-US" smtClean="0"/>
-              <a:t>11/10/2017</a:t>
+              <a:t>12/6/2017</a:t>
             </a:fld>
             <a:endParaRPr lang="en-US"/>
           </a:p>
@@ -6201,7 +6206,7 @@
           <a:p>
             <a:fld id="{AA7A7BE1-B93E-48BD-9462-FBE928DAA8A4}" type="datetimeFigureOut">
               <a:rPr lang="en-US" smtClean="0"/>
-              <a:t>11/10/2017</a:t>
+              <a:t>12/6/2017</a:t>
             </a:fld>
             <a:endParaRPr lang="en-US"/>
           </a:p>
@@ -6391,7 +6396,7 @@
           <a:p>
             <a:fld id="{AA7A7BE1-B93E-48BD-9462-FBE928DAA8A4}" type="datetimeFigureOut">
               <a:rPr lang="en-US" smtClean="0"/>
-              <a:t>11/10/2017</a:t>
+              <a:t>12/6/2017</a:t>
             </a:fld>
             <a:endParaRPr lang="en-US"/>
           </a:p>
@@ -7363,7 +7368,7 @@
           <a:p>
             <a:fld id="{AA7A7BE1-B93E-48BD-9462-FBE928DAA8A4}" type="datetimeFigureOut">
               <a:rPr lang="en-US" smtClean="0"/>
-              <a:t>11/10/2017</a:t>
+              <a:t>12/6/2017</a:t>
             </a:fld>
             <a:endParaRPr lang="en-US"/>
           </a:p>
@@ -7574,7 +7579,7 @@
           <a:p>
             <a:fld id="{AA7A7BE1-B93E-48BD-9462-FBE928DAA8A4}" type="datetimeFigureOut">
               <a:rPr lang="en-US" smtClean="0"/>
-              <a:t>11/10/2017</a:t>
+              <a:t>12/6/2017</a:t>
             </a:fld>
             <a:endParaRPr lang="en-US"/>
           </a:p>
@@ -8608,7 +8613,7 @@
           <a:p>
             <a:fld id="{AA7A7BE1-B93E-48BD-9462-FBE928DAA8A4}" type="datetimeFigureOut">
               <a:rPr lang="en-US" smtClean="0"/>
-              <a:t>11/10/2017</a:t>
+              <a:t>12/6/2017</a:t>
             </a:fld>
             <a:endParaRPr lang="en-US"/>
           </a:p>
@@ -8880,7 +8885,7 @@
           <a:p>
             <a:fld id="{AA7A7BE1-B93E-48BD-9462-FBE928DAA8A4}" type="datetimeFigureOut">
               <a:rPr lang="en-US" smtClean="0"/>
-              <a:t>11/10/2017</a:t>
+              <a:t>12/6/2017</a:t>
             </a:fld>
             <a:endParaRPr lang="en-US"/>
           </a:p>
@@ -9290,7 +9295,7 @@
           <a:p>
             <a:fld id="{AA7A7BE1-B93E-48BD-9462-FBE928DAA8A4}" type="datetimeFigureOut">
               <a:rPr lang="en-US" smtClean="0"/>
-              <a:t>11/10/2017</a:t>
+              <a:t>12/6/2017</a:t>
             </a:fld>
             <a:endParaRPr lang="en-US"/>
           </a:p>
@@ -9417,7 +9422,7 @@
           <a:p>
             <a:fld id="{AA7A7BE1-B93E-48BD-9462-FBE928DAA8A4}" type="datetimeFigureOut">
               <a:rPr lang="en-US" smtClean="0"/>
-              <a:t>11/10/2017</a:t>
+              <a:t>12/6/2017</a:t>
             </a:fld>
             <a:endParaRPr lang="en-US"/>
           </a:p>
@@ -9512,7 +9517,7 @@
           <a:p>
             <a:fld id="{AA7A7BE1-B93E-48BD-9462-FBE928DAA8A4}" type="datetimeFigureOut">
               <a:rPr lang="en-US" smtClean="0"/>
-              <a:t>11/10/2017</a:t>
+              <a:t>12/6/2017</a:t>
             </a:fld>
             <a:endParaRPr lang="en-US"/>
           </a:p>
@@ -10593,7 +10598,7 @@
           <a:p>
             <a:fld id="{AA7A7BE1-B93E-48BD-9462-FBE928DAA8A4}" type="datetimeFigureOut">
               <a:rPr lang="en-US" smtClean="0"/>
-              <a:t>11/10/2017</a:t>
+              <a:t>12/6/2017</a:t>
             </a:fld>
             <a:endParaRPr lang="en-US"/>
           </a:p>
@@ -11701,7 +11706,7 @@
           <a:p>
             <a:fld id="{AA7A7BE1-B93E-48BD-9462-FBE928DAA8A4}" type="datetimeFigureOut">
               <a:rPr lang="en-US" smtClean="0"/>
-              <a:t>11/10/2017</a:t>
+              <a:t>12/6/2017</a:t>
             </a:fld>
             <a:endParaRPr lang="en-US"/>
           </a:p>
@@ -12698,7 +12703,7 @@
           <a:p>
             <a:fld id="{AA7A7BE1-B93E-48BD-9462-FBE928DAA8A4}" type="datetimeFigureOut">
               <a:rPr lang="en-US" smtClean="0"/>
-              <a:t>11/10/2017</a:t>
+              <a:t>12/6/2017</a:t>
             </a:fld>
             <a:endParaRPr lang="en-US"/>
           </a:p>
@@ -13350,7 +13355,7 @@
           <a:p>
             <a:r>
               <a:rPr lang="en-US" dirty="0" smtClean="0"/>
-              <a:t>Status of Project : in my view </a:t>
+              <a:t>My Contribution</a:t>
             </a:r>
             <a:endParaRPr lang="en-US" dirty="0"/>
           </a:p>
@@ -13373,7 +13378,15 @@
           <a:p>
             <a:r>
               <a:rPr lang="en-US" dirty="0" smtClean="0"/>
-              <a:t>The status of the project in my view is its pretty much complete besides finishing the database, minor touches to the site and uploading it and some documentation that is left </a:t>
+              <a:t>My Contribution included doing most of the website and helping </a:t>
+            </a:r>
+            <a:r>
+              <a:rPr lang="en-US" dirty="0" smtClean="0"/>
+              <a:t>little </a:t>
+            </a:r>
+            <a:r>
+              <a:rPr lang="en-US" dirty="0" smtClean="0"/>
+              <a:t>with documentation, other team members helped with parts of the site, design, and a lot of important documentation, and yes I was satisfied with me and my teams contribution as it was a team effort to complete it all.</a:t>
             </a:r>
             <a:endParaRPr lang="en-US" dirty="0"/>
           </a:p>
@@ -13426,7 +13439,11 @@
           <a:p>
             <a:r>
               <a:rPr lang="en-US" dirty="0" smtClean="0"/>
-              <a:t>My Contribution</a:t>
+              <a:t>What I have learned </a:t>
+            </a:r>
+            <a:r>
+              <a:rPr lang="en-US" dirty="0" smtClean="0"/>
+              <a:t> </a:t>
             </a:r>
             <a:endParaRPr lang="en-US" dirty="0"/>
           </a:p>
@@ -13449,21 +13466,22 @@
           <a:p>
             <a:r>
               <a:rPr lang="en-US" dirty="0" smtClean="0"/>
-              <a:t>So far I Have contributed to the website design and implementation and the database which is currently in progress, along with some help in the documentation that is required with it </a:t>
+              <a:t>So far I have learned more about HTML coding, how to implement and enhance certain features of a website, such as the appointment system, Designing a website better, somewhat learned how to do a database, and how to do the documents required in class </a:t>
             </a:r>
+            <a:endParaRPr lang="en-US" dirty="0" smtClean="0"/>
           </a:p>
           <a:p>
             <a:pPr marL="0" indent="0">
               <a:buNone/>
             </a:pPr>
-            <a:endParaRPr lang="en-US" dirty="0"/>
+            <a:endParaRPr lang="en-US" dirty="0" smtClean="0"/>
           </a:p>
         </p:txBody>
       </p:sp>
     </p:spTree>
     <p:extLst>
       <p:ext uri="{BB962C8B-B14F-4D97-AF65-F5344CB8AC3E}">
-        <p14:creationId xmlns:p14="http://schemas.microsoft.com/office/powerpoint/2010/main" val="3700292645"/>
+        <p14:creationId xmlns:p14="http://schemas.microsoft.com/office/powerpoint/2010/main" val="445264875"/>
       </p:ext>
     </p:extLst>
   </p:cSld>
@@ -13507,7 +13525,7 @@
           <a:p>
             <a:r>
               <a:rPr lang="en-US" dirty="0" smtClean="0"/>
-              <a:t>What I have learned and will learn next 3 weeks  </a:t>
+              <a:t>One thing I like and dislike</a:t>
             </a:r>
             <a:endParaRPr lang="en-US" dirty="0"/>
           </a:p>
@@ -13530,13 +13548,13 @@
           <a:p>
             <a:r>
               <a:rPr lang="en-US" dirty="0" smtClean="0"/>
-              <a:t>So far I have learned more about HTML coding, how to implement and enhance certain features of a website, such as the appointment system, Designing a website better, somewhat learned how to do a database, and how to do the documents required in class </a:t>
+              <a:t>One thing I like was the freedom to choose what we wanted to do and designing the site</a:t>
             </a:r>
           </a:p>
           <a:p>
             <a:r>
               <a:rPr lang="en-US" dirty="0" smtClean="0"/>
-              <a:t>And I will continue to learn about database the next 3 weeks</a:t>
+              <a:t>One thing I didn’t like was a lot of the documentation  </a:t>
             </a:r>
             <a:endParaRPr lang="en-US" dirty="0"/>
           </a:p>
@@ -13545,7 +13563,7 @@
     </p:spTree>
     <p:extLst>
       <p:ext uri="{BB962C8B-B14F-4D97-AF65-F5344CB8AC3E}">
-        <p14:creationId xmlns:p14="http://schemas.microsoft.com/office/powerpoint/2010/main" val="445264875"/>
+        <p14:creationId xmlns:p14="http://schemas.microsoft.com/office/powerpoint/2010/main" val="4003708937"/>
       </p:ext>
     </p:extLst>
   </p:cSld>
